--- a/BDM/competition.pptx
+++ b/BDM/competition.pptx
@@ -158,10 +158,9 @@
           </a:lstStyle>
           <a:p>
             <a:r>
-              <a:rPr lang="zh-TW" altLang="en-US" smtClean="0"/>
+              <a:rPr lang="zh-TW" altLang="en-US"/>
               <a:t>按一下以編輯母片標題樣式</a:t>
             </a:r>
-            <a:endParaRPr lang="zh-TW" altLang="en-US"/>
           </a:p>
         </p:txBody>
       </p:sp>
@@ -223,10 +222,9 @@
           </a:lstStyle>
           <a:p>
             <a:r>
-              <a:rPr lang="zh-TW" altLang="en-US" smtClean="0"/>
+              <a:rPr lang="zh-TW" altLang="en-US"/>
               <a:t>按一下以編輯母片副標題樣式</a:t>
             </a:r>
-            <a:endParaRPr lang="zh-TW" altLang="en-US"/>
           </a:p>
         </p:txBody>
       </p:sp>
@@ -247,7 +245,7 @@
           <a:p>
             <a:fld id="{D1A33416-5B31-4C31-8AC8-C8A74F73C4FF}" type="datetimeFigureOut">
               <a:rPr lang="zh-TW" altLang="en-US" smtClean="0"/>
-              <a:t>2023/11/15</a:t>
+              <a:t>2025/9/22</a:t>
             </a:fld>
             <a:endParaRPr lang="zh-TW" altLang="en-US"/>
           </a:p>
@@ -341,10 +339,9 @@
           <a:lstStyle/>
           <a:p>
             <a:r>
-              <a:rPr lang="zh-TW" altLang="en-US" smtClean="0"/>
+              <a:rPr lang="zh-TW" altLang="en-US"/>
               <a:t>按一下以編輯母片標題樣式</a:t>
             </a:r>
-            <a:endParaRPr lang="zh-TW" altLang="en-US"/>
           </a:p>
         </p:txBody>
       </p:sp>
@@ -365,38 +362,37 @@
           <a:p>
             <a:pPr lvl="0"/>
             <a:r>
-              <a:rPr lang="zh-TW" altLang="en-US" smtClean="0"/>
+              <a:rPr lang="zh-TW" altLang="en-US"/>
               <a:t>編輯母片文字樣式</a:t>
             </a:r>
           </a:p>
           <a:p>
             <a:pPr lvl="1"/>
             <a:r>
-              <a:rPr lang="zh-TW" altLang="en-US" smtClean="0"/>
+              <a:rPr lang="zh-TW" altLang="en-US"/>
               <a:t>第二層</a:t>
             </a:r>
           </a:p>
           <a:p>
             <a:pPr lvl="2"/>
             <a:r>
-              <a:rPr lang="zh-TW" altLang="en-US" smtClean="0"/>
+              <a:rPr lang="zh-TW" altLang="en-US"/>
               <a:t>第三層</a:t>
             </a:r>
           </a:p>
           <a:p>
             <a:pPr lvl="3"/>
             <a:r>
-              <a:rPr lang="zh-TW" altLang="en-US" smtClean="0"/>
+              <a:rPr lang="zh-TW" altLang="en-US"/>
               <a:t>第四層</a:t>
             </a:r>
           </a:p>
           <a:p>
             <a:pPr lvl="4"/>
             <a:r>
-              <a:rPr lang="zh-TW" altLang="en-US" smtClean="0"/>
+              <a:rPr lang="zh-TW" altLang="en-US"/>
               <a:t>第五層</a:t>
             </a:r>
-            <a:endParaRPr lang="zh-TW" altLang="en-US"/>
           </a:p>
         </p:txBody>
       </p:sp>
@@ -417,7 +413,7 @@
           <a:p>
             <a:fld id="{D1A33416-5B31-4C31-8AC8-C8A74F73C4FF}" type="datetimeFigureOut">
               <a:rPr lang="zh-TW" altLang="en-US" smtClean="0"/>
-              <a:t>2023/11/15</a:t>
+              <a:t>2025/9/22</a:t>
             </a:fld>
             <a:endParaRPr lang="zh-TW" altLang="en-US"/>
           </a:p>
@@ -516,10 +512,9 @@
           <a:lstStyle/>
           <a:p>
             <a:r>
-              <a:rPr lang="zh-TW" altLang="en-US" smtClean="0"/>
+              <a:rPr lang="zh-TW" altLang="en-US"/>
               <a:t>按一下以編輯母片標題樣式</a:t>
             </a:r>
-            <a:endParaRPr lang="zh-TW" altLang="en-US"/>
           </a:p>
         </p:txBody>
       </p:sp>
@@ -545,38 +540,37 @@
           <a:p>
             <a:pPr lvl="0"/>
             <a:r>
-              <a:rPr lang="zh-TW" altLang="en-US" smtClean="0"/>
+              <a:rPr lang="zh-TW" altLang="en-US"/>
               <a:t>編輯母片文字樣式</a:t>
             </a:r>
           </a:p>
           <a:p>
             <a:pPr lvl="1"/>
             <a:r>
-              <a:rPr lang="zh-TW" altLang="en-US" smtClean="0"/>
+              <a:rPr lang="zh-TW" altLang="en-US"/>
               <a:t>第二層</a:t>
             </a:r>
           </a:p>
           <a:p>
             <a:pPr lvl="2"/>
             <a:r>
-              <a:rPr lang="zh-TW" altLang="en-US" smtClean="0"/>
+              <a:rPr lang="zh-TW" altLang="en-US"/>
               <a:t>第三層</a:t>
             </a:r>
           </a:p>
           <a:p>
             <a:pPr lvl="3"/>
             <a:r>
-              <a:rPr lang="zh-TW" altLang="en-US" smtClean="0"/>
+              <a:rPr lang="zh-TW" altLang="en-US"/>
               <a:t>第四層</a:t>
             </a:r>
           </a:p>
           <a:p>
             <a:pPr lvl="4"/>
             <a:r>
-              <a:rPr lang="zh-TW" altLang="en-US" smtClean="0"/>
+              <a:rPr lang="zh-TW" altLang="en-US"/>
               <a:t>第五層</a:t>
             </a:r>
-            <a:endParaRPr lang="zh-TW" altLang="en-US"/>
           </a:p>
         </p:txBody>
       </p:sp>
@@ -597,7 +591,7 @@
           <a:p>
             <a:fld id="{D1A33416-5B31-4C31-8AC8-C8A74F73C4FF}" type="datetimeFigureOut">
               <a:rPr lang="zh-TW" altLang="en-US" smtClean="0"/>
-              <a:t>2023/11/15</a:t>
+              <a:t>2025/9/22</a:t>
             </a:fld>
             <a:endParaRPr lang="zh-TW" altLang="en-US"/>
           </a:p>
@@ -691,10 +685,9 @@
           <a:lstStyle/>
           <a:p>
             <a:r>
-              <a:rPr lang="zh-TW" altLang="en-US" smtClean="0"/>
+              <a:rPr lang="zh-TW" altLang="en-US"/>
               <a:t>按一下以編輯母片標題樣式</a:t>
             </a:r>
-            <a:endParaRPr lang="zh-TW" altLang="en-US"/>
           </a:p>
         </p:txBody>
       </p:sp>
@@ -715,38 +708,37 @@
           <a:p>
             <a:pPr lvl="0"/>
             <a:r>
-              <a:rPr lang="zh-TW" altLang="en-US" smtClean="0"/>
+              <a:rPr lang="zh-TW" altLang="en-US"/>
               <a:t>編輯母片文字樣式</a:t>
             </a:r>
           </a:p>
           <a:p>
             <a:pPr lvl="1"/>
             <a:r>
-              <a:rPr lang="zh-TW" altLang="en-US" smtClean="0"/>
+              <a:rPr lang="zh-TW" altLang="en-US"/>
               <a:t>第二層</a:t>
             </a:r>
           </a:p>
           <a:p>
             <a:pPr lvl="2"/>
             <a:r>
-              <a:rPr lang="zh-TW" altLang="en-US" smtClean="0"/>
+              <a:rPr lang="zh-TW" altLang="en-US"/>
               <a:t>第三層</a:t>
             </a:r>
           </a:p>
           <a:p>
             <a:pPr lvl="3"/>
             <a:r>
-              <a:rPr lang="zh-TW" altLang="en-US" smtClean="0"/>
+              <a:rPr lang="zh-TW" altLang="en-US"/>
               <a:t>第四層</a:t>
             </a:r>
           </a:p>
           <a:p>
             <a:pPr lvl="4"/>
             <a:r>
-              <a:rPr lang="zh-TW" altLang="en-US" smtClean="0"/>
+              <a:rPr lang="zh-TW" altLang="en-US"/>
               <a:t>第五層</a:t>
             </a:r>
-            <a:endParaRPr lang="zh-TW" altLang="en-US"/>
           </a:p>
         </p:txBody>
       </p:sp>
@@ -767,7 +759,7 @@
           <a:p>
             <a:fld id="{D1A33416-5B31-4C31-8AC8-C8A74F73C4FF}" type="datetimeFigureOut">
               <a:rPr lang="zh-TW" altLang="en-US" smtClean="0"/>
-              <a:t>2023/11/15</a:t>
+              <a:t>2025/9/22</a:t>
             </a:fld>
             <a:endParaRPr lang="zh-TW" altLang="en-US"/>
           </a:p>
@@ -870,10 +862,9 @@
           </a:lstStyle>
           <a:p>
             <a:r>
-              <a:rPr lang="zh-TW" altLang="en-US" smtClean="0"/>
+              <a:rPr lang="zh-TW" altLang="en-US"/>
               <a:t>按一下以編輯母片標題樣式</a:t>
             </a:r>
-            <a:endParaRPr lang="zh-TW" altLang="en-US"/>
           </a:p>
         </p:txBody>
       </p:sp>
@@ -990,7 +981,7 @@
           <a:p>
             <a:pPr lvl="0"/>
             <a:r>
-              <a:rPr lang="zh-TW" altLang="en-US" smtClean="0"/>
+              <a:rPr lang="zh-TW" altLang="en-US"/>
               <a:t>編輯母片文字樣式</a:t>
             </a:r>
           </a:p>
@@ -1013,7 +1004,7 @@
           <a:p>
             <a:fld id="{D1A33416-5B31-4C31-8AC8-C8A74F73C4FF}" type="datetimeFigureOut">
               <a:rPr lang="zh-TW" altLang="en-US" smtClean="0"/>
-              <a:t>2023/11/15</a:t>
+              <a:t>2025/9/22</a:t>
             </a:fld>
             <a:endParaRPr lang="zh-TW" altLang="en-US"/>
           </a:p>
@@ -1107,10 +1098,9 @@
           <a:lstStyle/>
           <a:p>
             <a:r>
-              <a:rPr lang="zh-TW" altLang="en-US" smtClean="0"/>
+              <a:rPr lang="zh-TW" altLang="en-US"/>
               <a:t>按一下以編輯母片標題樣式</a:t>
             </a:r>
-            <a:endParaRPr lang="zh-TW" altLang="en-US"/>
           </a:p>
         </p:txBody>
       </p:sp>
@@ -1136,38 +1126,37 @@
           <a:p>
             <a:pPr lvl="0"/>
             <a:r>
-              <a:rPr lang="zh-TW" altLang="en-US" smtClean="0"/>
+              <a:rPr lang="zh-TW" altLang="en-US"/>
               <a:t>編輯母片文字樣式</a:t>
             </a:r>
           </a:p>
           <a:p>
             <a:pPr lvl="1"/>
             <a:r>
-              <a:rPr lang="zh-TW" altLang="en-US" smtClean="0"/>
+              <a:rPr lang="zh-TW" altLang="en-US"/>
               <a:t>第二層</a:t>
             </a:r>
           </a:p>
           <a:p>
             <a:pPr lvl="2"/>
             <a:r>
-              <a:rPr lang="zh-TW" altLang="en-US" smtClean="0"/>
+              <a:rPr lang="zh-TW" altLang="en-US"/>
               <a:t>第三層</a:t>
             </a:r>
           </a:p>
           <a:p>
             <a:pPr lvl="3"/>
             <a:r>
-              <a:rPr lang="zh-TW" altLang="en-US" smtClean="0"/>
+              <a:rPr lang="zh-TW" altLang="en-US"/>
               <a:t>第四層</a:t>
             </a:r>
           </a:p>
           <a:p>
             <a:pPr lvl="4"/>
             <a:r>
-              <a:rPr lang="zh-TW" altLang="en-US" smtClean="0"/>
+              <a:rPr lang="zh-TW" altLang="en-US"/>
               <a:t>第五層</a:t>
             </a:r>
-            <a:endParaRPr lang="zh-TW" altLang="en-US"/>
           </a:p>
         </p:txBody>
       </p:sp>
@@ -1193,38 +1182,37 @@
           <a:p>
             <a:pPr lvl="0"/>
             <a:r>
-              <a:rPr lang="zh-TW" altLang="en-US" smtClean="0"/>
+              <a:rPr lang="zh-TW" altLang="en-US"/>
               <a:t>編輯母片文字樣式</a:t>
             </a:r>
           </a:p>
           <a:p>
             <a:pPr lvl="1"/>
             <a:r>
-              <a:rPr lang="zh-TW" altLang="en-US" smtClean="0"/>
+              <a:rPr lang="zh-TW" altLang="en-US"/>
               <a:t>第二層</a:t>
             </a:r>
           </a:p>
           <a:p>
             <a:pPr lvl="2"/>
             <a:r>
-              <a:rPr lang="zh-TW" altLang="en-US" smtClean="0"/>
+              <a:rPr lang="zh-TW" altLang="en-US"/>
               <a:t>第三層</a:t>
             </a:r>
           </a:p>
           <a:p>
             <a:pPr lvl="3"/>
             <a:r>
-              <a:rPr lang="zh-TW" altLang="en-US" smtClean="0"/>
+              <a:rPr lang="zh-TW" altLang="en-US"/>
               <a:t>第四層</a:t>
             </a:r>
           </a:p>
           <a:p>
             <a:pPr lvl="4"/>
             <a:r>
-              <a:rPr lang="zh-TW" altLang="en-US" smtClean="0"/>
+              <a:rPr lang="zh-TW" altLang="en-US"/>
               <a:t>第五層</a:t>
             </a:r>
-            <a:endParaRPr lang="zh-TW" altLang="en-US"/>
           </a:p>
         </p:txBody>
       </p:sp>
@@ -1245,7 +1233,7 @@
           <a:p>
             <a:fld id="{D1A33416-5B31-4C31-8AC8-C8A74F73C4FF}" type="datetimeFigureOut">
               <a:rPr lang="zh-TW" altLang="en-US" smtClean="0"/>
-              <a:t>2023/11/15</a:t>
+              <a:t>2025/9/22</a:t>
             </a:fld>
             <a:endParaRPr lang="zh-TW" altLang="en-US"/>
           </a:p>
@@ -1344,10 +1332,9 @@
           <a:lstStyle/>
           <a:p>
             <a:r>
-              <a:rPr lang="zh-TW" altLang="en-US" smtClean="0"/>
+              <a:rPr lang="zh-TW" altLang="en-US"/>
               <a:t>按一下以編輯母片標題樣式</a:t>
             </a:r>
-            <a:endParaRPr lang="zh-TW" altLang="en-US"/>
           </a:p>
         </p:txBody>
       </p:sp>
@@ -1410,7 +1397,7 @@
           <a:p>
             <a:pPr lvl="0"/>
             <a:r>
-              <a:rPr lang="zh-TW" altLang="en-US" smtClean="0"/>
+              <a:rPr lang="zh-TW" altLang="en-US"/>
               <a:t>編輯母片文字樣式</a:t>
             </a:r>
           </a:p>
@@ -1438,38 +1425,37 @@
           <a:p>
             <a:pPr lvl="0"/>
             <a:r>
-              <a:rPr lang="zh-TW" altLang="en-US" smtClean="0"/>
+              <a:rPr lang="zh-TW" altLang="en-US"/>
               <a:t>編輯母片文字樣式</a:t>
             </a:r>
           </a:p>
           <a:p>
             <a:pPr lvl="1"/>
             <a:r>
-              <a:rPr lang="zh-TW" altLang="en-US" smtClean="0"/>
+              <a:rPr lang="zh-TW" altLang="en-US"/>
               <a:t>第二層</a:t>
             </a:r>
           </a:p>
           <a:p>
             <a:pPr lvl="2"/>
             <a:r>
-              <a:rPr lang="zh-TW" altLang="en-US" smtClean="0"/>
+              <a:rPr lang="zh-TW" altLang="en-US"/>
               <a:t>第三層</a:t>
             </a:r>
           </a:p>
           <a:p>
             <a:pPr lvl="3"/>
             <a:r>
-              <a:rPr lang="zh-TW" altLang="en-US" smtClean="0"/>
+              <a:rPr lang="zh-TW" altLang="en-US"/>
               <a:t>第四層</a:t>
             </a:r>
           </a:p>
           <a:p>
             <a:pPr lvl="4"/>
             <a:r>
-              <a:rPr lang="zh-TW" altLang="en-US" smtClean="0"/>
+              <a:rPr lang="zh-TW" altLang="en-US"/>
               <a:t>第五層</a:t>
             </a:r>
-            <a:endParaRPr lang="zh-TW" altLang="en-US"/>
           </a:p>
         </p:txBody>
       </p:sp>
@@ -1532,7 +1518,7 @@
           <a:p>
             <a:pPr lvl="0"/>
             <a:r>
-              <a:rPr lang="zh-TW" altLang="en-US" smtClean="0"/>
+              <a:rPr lang="zh-TW" altLang="en-US"/>
               <a:t>編輯母片文字樣式</a:t>
             </a:r>
           </a:p>
@@ -1560,38 +1546,37 @@
           <a:p>
             <a:pPr lvl="0"/>
             <a:r>
-              <a:rPr lang="zh-TW" altLang="en-US" smtClean="0"/>
+              <a:rPr lang="zh-TW" altLang="en-US"/>
               <a:t>編輯母片文字樣式</a:t>
             </a:r>
           </a:p>
           <a:p>
             <a:pPr lvl="1"/>
             <a:r>
-              <a:rPr lang="zh-TW" altLang="en-US" smtClean="0"/>
+              <a:rPr lang="zh-TW" altLang="en-US"/>
               <a:t>第二層</a:t>
             </a:r>
           </a:p>
           <a:p>
             <a:pPr lvl="2"/>
             <a:r>
-              <a:rPr lang="zh-TW" altLang="en-US" smtClean="0"/>
+              <a:rPr lang="zh-TW" altLang="en-US"/>
               <a:t>第三層</a:t>
             </a:r>
           </a:p>
           <a:p>
             <a:pPr lvl="3"/>
             <a:r>
-              <a:rPr lang="zh-TW" altLang="en-US" smtClean="0"/>
+              <a:rPr lang="zh-TW" altLang="en-US"/>
               <a:t>第四層</a:t>
             </a:r>
           </a:p>
           <a:p>
             <a:pPr lvl="4"/>
             <a:r>
-              <a:rPr lang="zh-TW" altLang="en-US" smtClean="0"/>
+              <a:rPr lang="zh-TW" altLang="en-US"/>
               <a:t>第五層</a:t>
             </a:r>
-            <a:endParaRPr lang="zh-TW" altLang="en-US"/>
           </a:p>
         </p:txBody>
       </p:sp>
@@ -1612,7 +1597,7 @@
           <a:p>
             <a:fld id="{D1A33416-5B31-4C31-8AC8-C8A74F73C4FF}" type="datetimeFigureOut">
               <a:rPr lang="zh-TW" altLang="en-US" smtClean="0"/>
-              <a:t>2023/11/15</a:t>
+              <a:t>2025/9/22</a:t>
             </a:fld>
             <a:endParaRPr lang="zh-TW" altLang="en-US"/>
           </a:p>
@@ -1706,10 +1691,9 @@
           <a:lstStyle/>
           <a:p>
             <a:r>
-              <a:rPr lang="zh-TW" altLang="en-US" smtClean="0"/>
+              <a:rPr lang="zh-TW" altLang="en-US"/>
               <a:t>按一下以編輯母片標題樣式</a:t>
             </a:r>
-            <a:endParaRPr lang="zh-TW" altLang="en-US"/>
           </a:p>
         </p:txBody>
       </p:sp>
@@ -1730,7 +1714,7 @@
           <a:p>
             <a:fld id="{D1A33416-5B31-4C31-8AC8-C8A74F73C4FF}" type="datetimeFigureOut">
               <a:rPr lang="zh-TW" altLang="en-US" smtClean="0"/>
-              <a:t>2023/11/15</a:t>
+              <a:t>2025/9/22</a:t>
             </a:fld>
             <a:endParaRPr lang="zh-TW" altLang="en-US"/>
           </a:p>
@@ -1825,7 +1809,7 @@
           <a:p>
             <a:fld id="{D1A33416-5B31-4C31-8AC8-C8A74F73C4FF}" type="datetimeFigureOut">
               <a:rPr lang="zh-TW" altLang="en-US" smtClean="0"/>
-              <a:t>2023/11/15</a:t>
+              <a:t>2025/9/22</a:t>
             </a:fld>
             <a:endParaRPr lang="zh-TW" altLang="en-US"/>
           </a:p>
@@ -1928,10 +1912,9 @@
           </a:lstStyle>
           <a:p>
             <a:r>
-              <a:rPr lang="zh-TW" altLang="en-US" smtClean="0"/>
+              <a:rPr lang="zh-TW" altLang="en-US"/>
               <a:t>按一下以編輯母片標題樣式</a:t>
             </a:r>
-            <a:endParaRPr lang="zh-TW" altLang="en-US"/>
           </a:p>
         </p:txBody>
       </p:sp>
@@ -1985,38 +1968,37 @@
           <a:p>
             <a:pPr lvl="0"/>
             <a:r>
-              <a:rPr lang="zh-TW" altLang="en-US" smtClean="0"/>
+              <a:rPr lang="zh-TW" altLang="en-US"/>
               <a:t>編輯母片文字樣式</a:t>
             </a:r>
           </a:p>
           <a:p>
             <a:pPr lvl="1"/>
             <a:r>
-              <a:rPr lang="zh-TW" altLang="en-US" smtClean="0"/>
+              <a:rPr lang="zh-TW" altLang="en-US"/>
               <a:t>第二層</a:t>
             </a:r>
           </a:p>
           <a:p>
             <a:pPr lvl="2"/>
             <a:r>
-              <a:rPr lang="zh-TW" altLang="en-US" smtClean="0"/>
+              <a:rPr lang="zh-TW" altLang="en-US"/>
               <a:t>第三層</a:t>
             </a:r>
           </a:p>
           <a:p>
             <a:pPr lvl="3"/>
             <a:r>
-              <a:rPr lang="zh-TW" altLang="en-US" smtClean="0"/>
+              <a:rPr lang="zh-TW" altLang="en-US"/>
               <a:t>第四層</a:t>
             </a:r>
           </a:p>
           <a:p>
             <a:pPr lvl="4"/>
             <a:r>
-              <a:rPr lang="zh-TW" altLang="en-US" smtClean="0"/>
+              <a:rPr lang="zh-TW" altLang="en-US"/>
               <a:t>第五層</a:t>
             </a:r>
-            <a:endParaRPr lang="zh-TW" altLang="en-US"/>
           </a:p>
         </p:txBody>
       </p:sp>
@@ -2079,7 +2061,7 @@
           <a:p>
             <a:pPr lvl="0"/>
             <a:r>
-              <a:rPr lang="zh-TW" altLang="en-US" smtClean="0"/>
+              <a:rPr lang="zh-TW" altLang="en-US"/>
               <a:t>編輯母片文字樣式</a:t>
             </a:r>
           </a:p>
@@ -2102,7 +2084,7 @@
           <a:p>
             <a:fld id="{D1A33416-5B31-4C31-8AC8-C8A74F73C4FF}" type="datetimeFigureOut">
               <a:rPr lang="zh-TW" altLang="en-US" smtClean="0"/>
-              <a:t>2023/11/15</a:t>
+              <a:t>2025/9/22</a:t>
             </a:fld>
             <a:endParaRPr lang="zh-TW" altLang="en-US"/>
           </a:p>
@@ -2205,10 +2187,9 @@
           </a:lstStyle>
           <a:p>
             <a:r>
-              <a:rPr lang="zh-TW" altLang="en-US" smtClean="0"/>
+              <a:rPr lang="zh-TW" altLang="en-US"/>
               <a:t>按一下以編輯母片標題樣式</a:t>
             </a:r>
-            <a:endParaRPr lang="zh-TW" altLang="en-US"/>
           </a:p>
         </p:txBody>
       </p:sp>
@@ -2332,7 +2313,7 @@
           <a:p>
             <a:pPr lvl="0"/>
             <a:r>
-              <a:rPr lang="zh-TW" altLang="en-US" smtClean="0"/>
+              <a:rPr lang="zh-TW" altLang="en-US"/>
               <a:t>編輯母片文字樣式</a:t>
             </a:r>
           </a:p>
@@ -2355,7 +2336,7 @@
           <a:p>
             <a:fld id="{D1A33416-5B31-4C31-8AC8-C8A74F73C4FF}" type="datetimeFigureOut">
               <a:rPr lang="zh-TW" altLang="en-US" smtClean="0"/>
-              <a:t>2023/11/15</a:t>
+              <a:t>2025/9/22</a:t>
             </a:fld>
             <a:endParaRPr lang="zh-TW" altLang="en-US"/>
           </a:p>
@@ -2464,10 +2445,9 @@
           <a:lstStyle/>
           <a:p>
             <a:r>
-              <a:rPr lang="zh-TW" altLang="en-US" smtClean="0"/>
+              <a:rPr lang="zh-TW" altLang="en-US"/>
               <a:t>按一下以編輯母片標題樣式</a:t>
             </a:r>
-            <a:endParaRPr lang="zh-TW" altLang="en-US"/>
           </a:p>
         </p:txBody>
       </p:sp>
@@ -2498,38 +2478,37 @@
           <a:p>
             <a:pPr lvl="0"/>
             <a:r>
-              <a:rPr lang="zh-TW" altLang="en-US" smtClean="0"/>
+              <a:rPr lang="zh-TW" altLang="en-US"/>
               <a:t>編輯母片文字樣式</a:t>
             </a:r>
           </a:p>
           <a:p>
             <a:pPr lvl="1"/>
             <a:r>
-              <a:rPr lang="zh-TW" altLang="en-US" smtClean="0"/>
+              <a:rPr lang="zh-TW" altLang="en-US"/>
               <a:t>第二層</a:t>
             </a:r>
           </a:p>
           <a:p>
             <a:pPr lvl="2"/>
             <a:r>
-              <a:rPr lang="zh-TW" altLang="en-US" smtClean="0"/>
+              <a:rPr lang="zh-TW" altLang="en-US"/>
               <a:t>第三層</a:t>
             </a:r>
           </a:p>
           <a:p>
             <a:pPr lvl="3"/>
             <a:r>
-              <a:rPr lang="zh-TW" altLang="en-US" smtClean="0"/>
+              <a:rPr lang="zh-TW" altLang="en-US"/>
               <a:t>第四層</a:t>
             </a:r>
           </a:p>
           <a:p>
             <a:pPr lvl="4"/>
             <a:r>
-              <a:rPr lang="zh-TW" altLang="en-US" smtClean="0"/>
+              <a:rPr lang="zh-TW" altLang="en-US"/>
               <a:t>第五層</a:t>
             </a:r>
-            <a:endParaRPr lang="zh-TW" altLang="en-US"/>
           </a:p>
         </p:txBody>
       </p:sp>
@@ -2568,7 +2547,7 @@
           <a:p>
             <a:fld id="{D1A33416-5B31-4C31-8AC8-C8A74F73C4FF}" type="datetimeFigureOut">
               <a:rPr lang="zh-TW" altLang="en-US" smtClean="0"/>
-              <a:t>2023/11/15</a:t>
+              <a:t>2025/9/22</a:t>
             </a:fld>
             <a:endParaRPr lang="zh-TW" altLang="en-US"/>
           </a:p>
@@ -2991,7 +2970,7 @@
           <a:lstStyle/>
           <a:p>
             <a:r>
-              <a:rPr lang="en-US" altLang="zh-TW" dirty="0" smtClean="0"/>
+              <a:rPr lang="en-US" altLang="zh-TW" dirty="0"/>
               <a:t>Recent Competitions as Potential Topics for Term Project</a:t>
             </a:r>
             <a:endParaRPr lang="zh-TW" altLang="en-US" dirty="0"/>
@@ -3014,18 +2993,14 @@
           <a:lstStyle/>
           <a:p>
             <a:r>
-              <a:rPr lang="en-US" altLang="zh-TW" dirty="0" smtClean="0"/>
+              <a:rPr lang="en-US" altLang="zh-TW" dirty="0"/>
               <a:t>By  J. H. Wang</a:t>
             </a:r>
           </a:p>
           <a:p>
             <a:r>
-              <a:rPr lang="en-US" altLang="zh-TW" dirty="0" smtClean="0"/>
-              <a:t>Nov. </a:t>
-            </a:r>
-            <a:r>
-              <a:rPr lang="en-US" altLang="zh-TW" dirty="0" smtClean="0"/>
-              <a:t>15, 2023</a:t>
+              <a:rPr lang="en-US" altLang="zh-TW" dirty="0"/>
+              <a:t>Sep. 22, 2025</a:t>
             </a:r>
             <a:endParaRPr lang="zh-TW" altLang="en-US" dirty="0"/>
           </a:p>
@@ -3077,7 +3052,7 @@
           <a:lstStyle/>
           <a:p>
             <a:r>
-              <a:rPr lang="en-US" altLang="zh-TW" dirty="0" smtClean="0"/>
+              <a:rPr lang="en-US" altLang="zh-TW" dirty="0"/>
               <a:t>Recent Competitions as Potential Topics for Term Project</a:t>
             </a:r>
             <a:endParaRPr lang="zh-TW" altLang="en-US" dirty="0"/>
@@ -3097,25 +3072,13 @@
         <p:spPr/>
         <p:txBody>
           <a:bodyPr>
-            <a:normAutofit lnSpcReduction="10000"/>
+            <a:normAutofit/>
           </a:bodyPr>
           <a:lstStyle/>
           <a:p>
             <a:r>
               <a:rPr lang="en-US" altLang="zh-TW" dirty="0"/>
-              <a:t>AI Cup </a:t>
-            </a:r>
-            <a:r>
-              <a:rPr lang="en-US" altLang="zh-TW" dirty="0" smtClean="0"/>
-              <a:t>2023: by </a:t>
-            </a:r>
-            <a:r>
-              <a:rPr lang="en-US" altLang="zh-TW" dirty="0"/>
-              <a:t>Ministry of Education (MOE</a:t>
-            </a:r>
-            <a:r>
-              <a:rPr lang="en-US" altLang="zh-TW" dirty="0" smtClean="0"/>
-              <a:t>)</a:t>
+              <a:t>AI Cup 2025: by Ministry of Education (MOE)</a:t>
             </a:r>
           </a:p>
           <a:p>
@@ -3123,13 +3086,13 @@
               <a:defRPr/>
             </a:pPr>
             <a:r>
-              <a:rPr lang="en-US" altLang="zh-TW" dirty="0">
+              <a:rPr lang="en-US" altLang="zh-TW" b="1" dirty="0">
                 <a:hlinkClick r:id="rId2"/>
               </a:rPr>
-              <a:t>https://www.aicup.tw/copy-of-ai-cup-2023-1</a:t>
-            </a:r>
-            <a:r>
-              <a:rPr lang="en-US" altLang="zh-TW" dirty="0"/>
+              <a:t>https://www.aicup.tw/ai-cup-2025-competition</a:t>
+            </a:r>
+            <a:r>
+              <a:rPr lang="en-US" altLang="zh-TW" b="1" dirty="0"/>
               <a:t> </a:t>
             </a:r>
           </a:p>
@@ -3138,32 +3101,16 @@
               <a:defRPr/>
             </a:pPr>
             <a:r>
-              <a:rPr lang="en-US" altLang="zh-TW" dirty="0"/>
-              <a:t>Go strength imitation and Go style recognition </a:t>
-            </a:r>
-            <a:r>
-              <a:rPr lang="en-US" altLang="zh-TW" dirty="0" smtClean="0"/>
-              <a:t>competition (</a:t>
-            </a:r>
-            <a:r>
-              <a:rPr lang="zh-TW" altLang="en-US" b="1" dirty="0" smtClean="0"/>
-              <a:t>圍棋</a:t>
-            </a:r>
-            <a:r>
               <a:rPr lang="zh-TW" altLang="en-US" b="1" dirty="0"/>
-              <a:t>棋力模仿與棋風辨識</a:t>
-            </a:r>
-            <a:r>
-              <a:rPr lang="zh-TW" altLang="en-US" b="1" dirty="0" smtClean="0"/>
-              <a:t>競賽</a:t>
-            </a:r>
-            <a:r>
-              <a:rPr lang="en-US" altLang="zh-TW" dirty="0" smtClean="0"/>
-              <a:t>)</a:t>
-            </a:r>
-            <a:r>
-              <a:rPr lang="en-US" altLang="zh-TW" b="1" dirty="0" smtClean="0"/>
-              <a:t> </a:t>
+              <a:t>玉山人工智慧公開挑戰賽－</a:t>
+            </a:r>
+            <a:r>
+              <a:rPr lang="en-US" altLang="zh-TW" b="1" dirty="0"/>
+              <a:t>AI</a:t>
+            </a:r>
+            <a:r>
+              <a:rPr lang="zh-TW" altLang="en-US" b="1" dirty="0"/>
+              <a:t>偵探出任務，精準揪出警示帳戶！</a:t>
             </a:r>
             <a:endParaRPr lang="en-US" altLang="zh-TW" b="1" dirty="0"/>
           </a:p>
@@ -3172,70 +3119,40 @@
               <a:defRPr/>
             </a:pPr>
             <a:r>
-              <a:rPr lang="zh-TW" altLang="en-US" b="1" dirty="0"/>
-              <a:t>隱私保護與醫學數據標準化競賽</a:t>
-            </a:r>
-            <a:r>
-              <a:rPr lang="en-US" altLang="zh-TW" b="1" dirty="0"/>
-              <a:t>: </a:t>
-            </a:r>
-            <a:r>
-              <a:rPr lang="zh-TW" altLang="en-US" b="1" dirty="0"/>
-              <a:t>解碼臨床病例、讓數據說故事</a:t>
+              <a:rPr lang="zh-TW" altLang="en-US" b="1" i="0" dirty="0">
+                <a:solidFill>
+                  <a:srgbClr val="2F2E2E"/>
+                </a:solidFill>
+                <a:effectLst/>
+                <a:latin typeface="wfont_7fbdbf_b0d9a3f8bf6446fdb351c82b114a98ea"/>
+              </a:rPr>
+              <a:t>電腦斷層心臟肌肉影像分割競賽</a:t>
             </a:r>
             <a:endParaRPr lang="en-US" altLang="zh-TW" dirty="0"/>
           </a:p>
           <a:p>
+            <a:r>
+              <a:rPr lang="en-US" altLang="zh-TW" dirty="0"/>
+              <a:t>To join the competition</a:t>
+            </a:r>
+          </a:p>
+          <a:p>
             <a:pPr lvl="1"/>
+            <a:r>
+              <a:rPr lang="en-US" altLang="zh-TW" dirty="0"/>
+              <a:t>First, you need to register an account in the corresponding platforms such as </a:t>
+            </a:r>
+            <a:r>
+              <a:rPr lang="en-US" altLang="zh-TW" dirty="0" err="1"/>
+              <a:t>TBrain</a:t>
+            </a:r>
             <a:endParaRPr lang="en-US" altLang="zh-TW" dirty="0"/>
           </a:p>
           <a:p>
-            <a:r>
-              <a:rPr lang="en-US" altLang="zh-TW" dirty="0" smtClean="0"/>
-              <a:t>To join the competition</a:t>
-            </a:r>
-          </a:p>
-          <a:p>
             <a:pPr lvl="1"/>
             <a:r>
-              <a:rPr lang="en-US" altLang="zh-TW" dirty="0" smtClean="0"/>
-              <a:t>First</a:t>
-            </a:r>
-            <a:r>
               <a:rPr lang="en-US" altLang="zh-TW" dirty="0"/>
-              <a:t>, you need to register an account in </a:t>
-            </a:r>
-            <a:r>
-              <a:rPr lang="en-US" altLang="zh-TW" dirty="0" smtClean="0"/>
-              <a:t>the corresponding platforms: </a:t>
-            </a:r>
-            <a:r>
-              <a:rPr lang="en-US" altLang="zh-TW" dirty="0" err="1" smtClean="0"/>
-              <a:t>TBrain</a:t>
-            </a:r>
-            <a:r>
-              <a:rPr lang="en-US" altLang="zh-TW" dirty="0" smtClean="0"/>
-              <a:t>, and </a:t>
-            </a:r>
-            <a:r>
-              <a:rPr lang="en-US" altLang="zh-TW" dirty="0" err="1" smtClean="0"/>
-              <a:t>CodaLab</a:t>
-            </a:r>
-            <a:r>
-              <a:rPr lang="en-US" altLang="zh-TW" dirty="0" smtClean="0"/>
-              <a:t>, respectively</a:t>
-            </a:r>
-            <a:endParaRPr lang="en-US" altLang="zh-TW" dirty="0"/>
-          </a:p>
-          <a:p>
-            <a:pPr lvl="1"/>
-            <a:r>
-              <a:rPr lang="en-US" altLang="zh-TW" dirty="0" smtClean="0"/>
-              <a:t>Then</a:t>
-            </a:r>
-            <a:r>
-              <a:rPr lang="en-US" altLang="zh-TW" dirty="0"/>
-              <a:t>, you need to register a team in the competition</a:t>
+              <a:t>Then, you need to register a team in the AI cup competition</a:t>
             </a:r>
           </a:p>
           <a:p>
@@ -3300,13 +3217,8 @@
           <a:p>
             <a:r>
               <a:rPr lang="en-US" altLang="zh-TW" dirty="0"/>
-              <a:t>AI Cup 2023: Go strength imitation and Go style recognition </a:t>
-            </a:r>
-            <a:r>
-              <a:rPr lang="en-US" altLang="zh-TW" dirty="0" smtClean="0"/>
-              <a:t>competition</a:t>
-            </a:r>
-            <a:endParaRPr lang="en-US" altLang="zh-TW" dirty="0"/>
+              <a:t>AI Cup 2025: Watch-Listed Account Detection</a:t>
+            </a:r>
           </a:p>
         </p:txBody>
       </p:sp>
@@ -3329,73 +3241,51 @@
               <a:rPr lang="en-US" altLang="zh-TW" dirty="0">
                 <a:hlinkClick r:id="rId2"/>
               </a:rPr>
-              <a:t>https://</a:t>
-            </a:r>
-            <a:r>
-              <a:rPr lang="en-US" altLang="zh-TW" dirty="0" smtClean="0">
-                <a:hlinkClick r:id="rId2"/>
-              </a:rPr>
-              <a:t>tbrain.trendmicro.com.tw/Competitions/Details/29</a:t>
-            </a:r>
-            <a:endParaRPr lang="en-US" altLang="zh-TW" dirty="0" smtClean="0"/>
-          </a:p>
-          <a:p>
-            <a:r>
-              <a:rPr lang="en-US" altLang="zh-TW" dirty="0" smtClean="0"/>
-              <a:t>Provided </a:t>
-            </a:r>
-            <a:r>
-              <a:rPr lang="en-US" altLang="zh-TW" dirty="0" smtClean="0"/>
-              <a:t>by </a:t>
-            </a:r>
-            <a:r>
-              <a:rPr lang="en-US" altLang="zh-TW" dirty="0" smtClean="0"/>
-              <a:t>NDHU</a:t>
-            </a:r>
-            <a:endParaRPr lang="en-US" altLang="zh-TW" dirty="0" smtClean="0"/>
-          </a:p>
-          <a:p>
-            <a:r>
-              <a:rPr lang="en-US" altLang="zh-TW" dirty="0" smtClean="0"/>
-              <a:t>Registration starts: Sep. </a:t>
-            </a:r>
-            <a:r>
-              <a:rPr lang="en-US" altLang="zh-TW" dirty="0" smtClean="0"/>
-              <a:t>1, 2023</a:t>
-            </a:r>
-            <a:endParaRPr lang="en-US" altLang="zh-TW" dirty="0" smtClean="0"/>
-          </a:p>
-          <a:p>
-            <a:r>
-              <a:rPr lang="en-US" altLang="zh-TW" dirty="0" smtClean="0"/>
+              <a:t>https://tbrain.trendmicro.com.tw/Competitions/Details/40</a:t>
+            </a:r>
+            <a:r>
+              <a:rPr lang="en-US" altLang="zh-TW" dirty="0"/>
+              <a:t> </a:t>
+            </a:r>
+          </a:p>
+          <a:p>
+            <a:r>
+              <a:rPr lang="en-US" altLang="zh-TW" dirty="0"/>
+              <a:t>Provided by e-sun Bank</a:t>
+            </a:r>
+          </a:p>
+          <a:p>
+            <a:r>
+              <a:rPr lang="en-US" altLang="zh-TW" dirty="0"/>
+              <a:t>Registration starts: Sep. 17, 2025</a:t>
+            </a:r>
+          </a:p>
+          <a:p>
+            <a:r>
+              <a:rPr lang="en-US" altLang="zh-TW" dirty="0"/>
               <a:t>Registration ends: </a:t>
             </a:r>
             <a:r>
-              <a:rPr lang="en-US" altLang="zh-TW" dirty="0" smtClean="0">
+              <a:rPr lang="en-US" altLang="zh-TW" dirty="0">
                 <a:solidFill>
                   <a:srgbClr val="FF0000"/>
                 </a:solidFill>
               </a:rPr>
-              <a:t>Nov. 20, 2023</a:t>
-            </a:r>
-            <a:endParaRPr lang="en-US" altLang="zh-TW" dirty="0" smtClean="0">
-              <a:solidFill>
-                <a:srgbClr val="FF0000"/>
-              </a:solidFill>
-            </a:endParaRPr>
-          </a:p>
-          <a:p>
-            <a:r>
-              <a:rPr lang="en-US" altLang="zh-TW" dirty="0" smtClean="0"/>
+              <a:t>Nov. 5, 2025</a:t>
+            </a:r>
+          </a:p>
+          <a:p>
+            <a:r>
+              <a:rPr lang="en-US" altLang="zh-TW" dirty="0"/>
               <a:t>End of competition: </a:t>
             </a:r>
             <a:r>
-              <a:rPr lang="en-US" altLang="zh-TW" dirty="0" smtClean="0">
+              <a:rPr lang="en-US" altLang="zh-TW" dirty="0">
                 <a:solidFill>
                   <a:srgbClr val="FF0000"/>
                 </a:solidFill>
               </a:rPr>
-              <a:t>Nov. 28, 2023</a:t>
+              <a:t>Nov. 12, 2025</a:t>
             </a:r>
             <a:endParaRPr lang="zh-TW" altLang="en-US" dirty="0">
               <a:solidFill>
@@ -3448,31 +3338,14 @@
         <p:spPr/>
         <p:txBody>
           <a:bodyPr>
-            <a:normAutofit/>
+            <a:normAutofit fontScale="90000"/>
           </a:bodyPr>
           <a:lstStyle/>
           <a:p>
             <a:r>
               <a:rPr lang="en-US" altLang="zh-TW" dirty="0"/>
-              <a:t>AI Cup 2023</a:t>
-            </a:r>
-            <a:r>
-              <a:rPr lang="en-US" altLang="zh-TW" dirty="0" smtClean="0"/>
-              <a:t>:</a:t>
-            </a:r>
-            <a:r>
-              <a:rPr lang="zh-TW" altLang="en-US" dirty="0"/>
-              <a:t>隱私保護與醫學數據標準化競賽</a:t>
-            </a:r>
-            <a:r>
-              <a:rPr lang="en-US" altLang="zh-TW" dirty="0"/>
-              <a:t>: </a:t>
-            </a:r>
-            <a:r>
-              <a:rPr lang="zh-TW" altLang="en-US" dirty="0"/>
-              <a:t>解碼臨床病例、讓數據說故事</a:t>
-            </a:r>
-            <a:endParaRPr lang="en-US" altLang="zh-TW" dirty="0"/>
+              <a:t>AI Cup 2023: Computed Tomography Myocardium Image Segmentation I - Myocardium Image Segmentation</a:t>
+            </a:r>
           </a:p>
         </p:txBody>
       </p:sp>
@@ -3495,76 +3368,29 @@
               <a:rPr lang="en-US" altLang="zh-TW" dirty="0">
                 <a:hlinkClick r:id="rId2"/>
               </a:rPr>
-              <a:t>https://</a:t>
-            </a:r>
-            <a:r>
-              <a:rPr lang="en-US" altLang="zh-TW" dirty="0" smtClean="0">
-                <a:hlinkClick r:id="rId2"/>
-              </a:rPr>
-              <a:t>codalab.lisn.upsaclay.fr/competitions/15425?secret_key=db7687a5-8fc7-4323-a94f-2cca2ac04d39</a:t>
-            </a:r>
-            <a:r>
-              <a:rPr lang="en-US" altLang="zh-TW" dirty="0" smtClean="0"/>
-              <a:t>  </a:t>
-            </a:r>
-          </a:p>
-          <a:p>
-            <a:r>
-              <a:rPr lang="en-US" altLang="zh-TW" dirty="0" smtClean="0"/>
-              <a:t>Provided </a:t>
-            </a:r>
-            <a:r>
-              <a:rPr lang="en-US" altLang="zh-TW" dirty="0" smtClean="0"/>
-              <a:t>by </a:t>
-            </a:r>
-            <a:r>
-              <a:rPr lang="en-US" altLang="zh-TW" dirty="0" smtClean="0"/>
-              <a:t>NKUST</a:t>
-            </a:r>
-            <a:endParaRPr lang="en-US" altLang="zh-TW" dirty="0" smtClean="0"/>
-          </a:p>
-          <a:p>
-            <a:r>
-              <a:rPr lang="en-US" altLang="zh-TW" dirty="0" smtClean="0"/>
-              <a:t>Registration starts: Sep. </a:t>
-            </a:r>
-            <a:r>
-              <a:rPr lang="en-US" altLang="zh-TW" dirty="0" smtClean="0"/>
-              <a:t>18, 2023</a:t>
-            </a:r>
-            <a:endParaRPr lang="en-US" altLang="zh-TW" dirty="0" smtClean="0"/>
-          </a:p>
-          <a:p>
-            <a:r>
-              <a:rPr lang="en-US" altLang="zh-TW" dirty="0" smtClean="0"/>
+              <a:t>https://tbrain.trendmicro.com.tw/Competitions/Details/41</a:t>
+            </a:r>
+            <a:r>
+              <a:rPr lang="en-US" altLang="zh-TW" dirty="0"/>
+              <a:t> </a:t>
+            </a:r>
+          </a:p>
+          <a:p>
+            <a:r>
+              <a:rPr lang="en-US" altLang="zh-TW" dirty="0"/>
+              <a:t>Provided by NTUT</a:t>
+            </a:r>
+          </a:p>
+          <a:p>
+            <a:r>
+              <a:rPr lang="en-US" altLang="zh-TW" dirty="0"/>
+              <a:t>Registration starts: Sep. 16, 2025</a:t>
+            </a:r>
+          </a:p>
+          <a:p>
+            <a:r>
+              <a:rPr lang="en-US" altLang="zh-TW" dirty="0"/>
               <a:t>Registration ends: </a:t>
-            </a:r>
-            <a:r>
-              <a:rPr lang="en-US" altLang="zh-TW" dirty="0" smtClean="0">
-                <a:solidFill>
-                  <a:srgbClr val="FF0000"/>
-                </a:solidFill>
-              </a:rPr>
-              <a:t>Dec. 1, 2023</a:t>
-            </a:r>
-            <a:endParaRPr lang="en-US" altLang="zh-TW" dirty="0" smtClean="0">
-              <a:solidFill>
-                <a:srgbClr val="FF0000"/>
-              </a:solidFill>
-            </a:endParaRPr>
-          </a:p>
-          <a:p>
-            <a:r>
-              <a:rPr lang="en-US" altLang="zh-TW" dirty="0" smtClean="0"/>
-              <a:t>End of competition: </a:t>
-            </a:r>
-            <a:r>
-              <a:rPr lang="en-US" altLang="zh-TW" dirty="0" smtClean="0">
-                <a:solidFill>
-                  <a:srgbClr val="FF0000"/>
-                </a:solidFill>
-              </a:rPr>
-              <a:t>Dec. </a:t>
             </a:r>
             <a:r>
               <a:rPr lang="en-US" altLang="zh-TW" dirty="0">
@@ -3572,15 +3398,21 @@
                   <a:srgbClr val="FF0000"/>
                 </a:solidFill>
               </a:rPr>
-              <a:t>3</a:t>
-            </a:r>
-            <a:r>
-              <a:rPr lang="en-US" altLang="zh-TW" dirty="0" smtClean="0">
+              <a:t>Nov. 25, 2025</a:t>
+            </a:r>
+          </a:p>
+          <a:p>
+            <a:r>
+              <a:rPr lang="en-US" altLang="zh-TW" dirty="0"/>
+              <a:t>End of competition: </a:t>
+            </a:r>
+            <a:r>
+              <a:rPr lang="en-US" altLang="zh-TW" dirty="0">
                 <a:solidFill>
                   <a:srgbClr val="FF0000"/>
                 </a:solidFill>
               </a:rPr>
-              <a:t>, 2023</a:t>
+              <a:t>Nov. 30, 2025</a:t>
             </a:r>
             <a:endParaRPr lang="zh-TW" altLang="en-US" dirty="0">
               <a:solidFill>
@@ -3636,7 +3468,7 @@
           <a:lstStyle/>
           <a:p>
             <a:r>
-              <a:rPr lang="en-US" altLang="zh-TW" dirty="0" smtClean="0"/>
+              <a:rPr lang="en-US" altLang="zh-TW" dirty="0"/>
               <a:t>Thanks for Your Attention!</a:t>
             </a:r>
             <a:endParaRPr lang="zh-TW" altLang="en-US" dirty="0"/>

--- a/BDM/competition.pptx
+++ b/BDM/competition.pptx
@@ -7,9 +7,11 @@
   <p:sldIdLst>
     <p:sldId id="256" r:id="rId2"/>
     <p:sldId id="258" r:id="rId3"/>
-    <p:sldId id="264" r:id="rId4"/>
-    <p:sldId id="265" r:id="rId5"/>
-    <p:sldId id="263" r:id="rId6"/>
+    <p:sldId id="266" r:id="rId4"/>
+    <p:sldId id="264" r:id="rId5"/>
+    <p:sldId id="265" r:id="rId6"/>
+    <p:sldId id="268" r:id="rId7"/>
+    <p:sldId id="263" r:id="rId8"/>
   </p:sldIdLst>
   <p:sldSz cx="12192000" cy="6858000"/>
   <p:notesSz cx="6858000" cy="9144000"/>
@@ -245,7 +247,7 @@
           <a:p>
             <a:fld id="{D1A33416-5B31-4C31-8AC8-C8A74F73C4FF}" type="datetimeFigureOut">
               <a:rPr lang="zh-TW" altLang="en-US" smtClean="0"/>
-              <a:t>2025/9/22</a:t>
+              <a:t>2025/10/19</a:t>
             </a:fld>
             <a:endParaRPr lang="zh-TW" altLang="en-US"/>
           </a:p>
@@ -413,7 +415,7 @@
           <a:p>
             <a:fld id="{D1A33416-5B31-4C31-8AC8-C8A74F73C4FF}" type="datetimeFigureOut">
               <a:rPr lang="zh-TW" altLang="en-US" smtClean="0"/>
-              <a:t>2025/9/22</a:t>
+              <a:t>2025/10/19</a:t>
             </a:fld>
             <a:endParaRPr lang="zh-TW" altLang="en-US"/>
           </a:p>
@@ -591,7 +593,7 @@
           <a:p>
             <a:fld id="{D1A33416-5B31-4C31-8AC8-C8A74F73C4FF}" type="datetimeFigureOut">
               <a:rPr lang="zh-TW" altLang="en-US" smtClean="0"/>
-              <a:t>2025/9/22</a:t>
+              <a:t>2025/10/19</a:t>
             </a:fld>
             <a:endParaRPr lang="zh-TW" altLang="en-US"/>
           </a:p>
@@ -759,7 +761,7 @@
           <a:p>
             <a:fld id="{D1A33416-5B31-4C31-8AC8-C8A74F73C4FF}" type="datetimeFigureOut">
               <a:rPr lang="zh-TW" altLang="en-US" smtClean="0"/>
-              <a:t>2025/9/22</a:t>
+              <a:t>2025/10/19</a:t>
             </a:fld>
             <a:endParaRPr lang="zh-TW" altLang="en-US"/>
           </a:p>
@@ -1004,7 +1006,7 @@
           <a:p>
             <a:fld id="{D1A33416-5B31-4C31-8AC8-C8A74F73C4FF}" type="datetimeFigureOut">
               <a:rPr lang="zh-TW" altLang="en-US" smtClean="0"/>
-              <a:t>2025/9/22</a:t>
+              <a:t>2025/10/19</a:t>
             </a:fld>
             <a:endParaRPr lang="zh-TW" altLang="en-US"/>
           </a:p>
@@ -1233,7 +1235,7 @@
           <a:p>
             <a:fld id="{D1A33416-5B31-4C31-8AC8-C8A74F73C4FF}" type="datetimeFigureOut">
               <a:rPr lang="zh-TW" altLang="en-US" smtClean="0"/>
-              <a:t>2025/9/22</a:t>
+              <a:t>2025/10/19</a:t>
             </a:fld>
             <a:endParaRPr lang="zh-TW" altLang="en-US"/>
           </a:p>
@@ -1597,7 +1599,7 @@
           <a:p>
             <a:fld id="{D1A33416-5B31-4C31-8AC8-C8A74F73C4FF}" type="datetimeFigureOut">
               <a:rPr lang="zh-TW" altLang="en-US" smtClean="0"/>
-              <a:t>2025/9/22</a:t>
+              <a:t>2025/10/19</a:t>
             </a:fld>
             <a:endParaRPr lang="zh-TW" altLang="en-US"/>
           </a:p>
@@ -1714,7 +1716,7 @@
           <a:p>
             <a:fld id="{D1A33416-5B31-4C31-8AC8-C8A74F73C4FF}" type="datetimeFigureOut">
               <a:rPr lang="zh-TW" altLang="en-US" smtClean="0"/>
-              <a:t>2025/9/22</a:t>
+              <a:t>2025/10/19</a:t>
             </a:fld>
             <a:endParaRPr lang="zh-TW" altLang="en-US"/>
           </a:p>
@@ -1809,7 +1811,7 @@
           <a:p>
             <a:fld id="{D1A33416-5B31-4C31-8AC8-C8A74F73C4FF}" type="datetimeFigureOut">
               <a:rPr lang="zh-TW" altLang="en-US" smtClean="0"/>
-              <a:t>2025/9/22</a:t>
+              <a:t>2025/10/19</a:t>
             </a:fld>
             <a:endParaRPr lang="zh-TW" altLang="en-US"/>
           </a:p>
@@ -2084,7 +2086,7 @@
           <a:p>
             <a:fld id="{D1A33416-5B31-4C31-8AC8-C8A74F73C4FF}" type="datetimeFigureOut">
               <a:rPr lang="zh-TW" altLang="en-US" smtClean="0"/>
-              <a:t>2025/9/22</a:t>
+              <a:t>2025/10/19</a:t>
             </a:fld>
             <a:endParaRPr lang="zh-TW" altLang="en-US"/>
           </a:p>
@@ -2336,7 +2338,7 @@
           <a:p>
             <a:fld id="{D1A33416-5B31-4C31-8AC8-C8A74F73C4FF}" type="datetimeFigureOut">
               <a:rPr lang="zh-TW" altLang="en-US" smtClean="0"/>
-              <a:t>2025/9/22</a:t>
+              <a:t>2025/10/19</a:t>
             </a:fld>
             <a:endParaRPr lang="zh-TW" altLang="en-US"/>
           </a:p>
@@ -2547,7 +2549,7 @@
           <a:p>
             <a:fld id="{D1A33416-5B31-4C31-8AC8-C8A74F73C4FF}" type="datetimeFigureOut">
               <a:rPr lang="zh-TW" altLang="en-US" smtClean="0"/>
-              <a:t>2025/9/22</a:t>
+              <a:t>2025/10/19</a:t>
             </a:fld>
             <a:endParaRPr lang="zh-TW" altLang="en-US"/>
           </a:p>
@@ -3000,7 +3002,7 @@
           <a:p>
             <a:r>
               <a:rPr lang="en-US" altLang="zh-TW" dirty="0"/>
-              <a:t>Sep. 22, 2025</a:t>
+              <a:t>Oct. 20, 2025</a:t>
             </a:r>
             <a:endParaRPr lang="zh-TW" altLang="en-US" dirty="0"/>
           </a:p>
@@ -3200,7 +3202,13 @@
       </p:grpSpPr>
       <p:sp>
         <p:nvSpPr>
-          <p:cNvPr id="2" name="標題 1"/>
+          <p:cNvPr id="2" name="標題 1">
+            <a:extLst>
+              <a:ext uri="{FF2B5EF4-FFF2-40B4-BE49-F238E27FC236}">
+                <a16:creationId xmlns:a16="http://schemas.microsoft.com/office/drawing/2014/main" id="{5CCFD43B-C918-49CB-94C9-961A53028899}"/>
+              </a:ext>
+            </a:extLst>
+          </p:cNvPr>
           <p:cNvSpPr>
             <a:spLocks noGrp="1"/>
           </p:cNvSpPr>
@@ -3210,21 +3218,26 @@
         </p:nvSpPr>
         <p:spPr/>
         <p:txBody>
-          <a:bodyPr>
-            <a:normAutofit/>
-          </a:bodyPr>
+          <a:bodyPr/>
           <a:lstStyle/>
           <a:p>
             <a:r>
               <a:rPr lang="en-US" altLang="zh-TW" dirty="0"/>
-              <a:t>AI Cup 2025: Watch-Listed Account Detection</a:t>
-            </a:r>
-          </a:p>
-        </p:txBody>
-      </p:sp>
-      <p:sp>
-        <p:nvSpPr>
-          <p:cNvPr id="3" name="內容版面配置區 2"/>
+              <a:t>AI Cup 2025 Competitions</a:t>
+            </a:r>
+            <a:endParaRPr lang="zh-TW" altLang="en-US" dirty="0"/>
+          </a:p>
+        </p:txBody>
+      </p:sp>
+      <p:sp>
+        <p:nvSpPr>
+          <p:cNvPr id="3" name="內容版面配置區 2">
+            <a:extLst>
+              <a:ext uri="{FF2B5EF4-FFF2-40B4-BE49-F238E27FC236}">
+                <a16:creationId xmlns:a16="http://schemas.microsoft.com/office/drawing/2014/main" id="{599858AF-304B-4B7F-B2FC-B634D3514BC0}"/>
+              </a:ext>
+            </a:extLst>
+          </p:cNvPr>
           <p:cNvSpPr>
             <a:spLocks noGrp="1"/>
           </p:cNvSpPr>
@@ -3237,68 +3250,225 @@
           <a:bodyPr/>
           <a:lstStyle/>
           <a:p>
-            <a:r>
-              <a:rPr lang="en-US" altLang="zh-TW" dirty="0">
+            <a:pPr>
+              <a:defRPr/>
+            </a:pPr>
+            <a:r>
+              <a:rPr lang="en-US" altLang="zh-TW" dirty="0"/>
+              <a:t>AI Cup 2025 Competition: </a:t>
+            </a:r>
+            <a:r>
+              <a:rPr lang="en-US" altLang="zh-TW" sz="2800" dirty="0">
+                <a:solidFill>
+                  <a:srgbClr val="0000FF"/>
+                </a:solidFill>
                 <a:hlinkClick r:id="rId2"/>
               </a:rPr>
-              <a:t>https://tbrain.trendmicro.com.tw/Competitions/Details/40</a:t>
+              <a:t>https://www.aicup.tw/ai-cup-2025-competition</a:t>
+            </a:r>
+            <a:endParaRPr lang="en-US" altLang="zh-TW" dirty="0"/>
+          </a:p>
+          <a:p>
+            <a:pPr lvl="1">
+              <a:defRPr/>
+            </a:pPr>
+            <a:r>
+              <a:rPr lang="zh-TW" altLang="en-US" b="1" dirty="0"/>
+              <a:t>玉山人工智慧公開挑戰賽－</a:t>
+            </a:r>
+            <a:r>
+              <a:rPr lang="en-US" altLang="zh-TW" b="1" dirty="0"/>
+              <a:t>AI</a:t>
+            </a:r>
+            <a:r>
+              <a:rPr lang="zh-TW" altLang="en-US" b="1" dirty="0"/>
+              <a:t>偵探出任務，精準揪出警示帳戶！</a:t>
+            </a:r>
+            <a:endParaRPr lang="en-US" altLang="zh-TW" b="1" dirty="0"/>
+          </a:p>
+          <a:p>
+            <a:pPr marL="457200" lvl="1" indent="0">
+              <a:buNone/>
+              <a:defRPr/>
+            </a:pPr>
+            <a:r>
+              <a:rPr lang="en-US" altLang="zh-TW" b="1" dirty="0"/>
+              <a:t>(</a:t>
             </a:r>
             <a:r>
               <a:rPr lang="en-US" altLang="zh-TW" dirty="0"/>
-              <a:t> </a:t>
-            </a:r>
-          </a:p>
-          <a:p>
+              <a:t>Watch-Listed Account Detection</a:t>
+            </a:r>
+            <a:r>
+              <a:rPr lang="en-US" altLang="zh-TW" b="1" dirty="0"/>
+              <a:t>)</a:t>
+            </a:r>
+          </a:p>
+          <a:p>
+            <a:pPr lvl="1">
+              <a:defRPr/>
+            </a:pPr>
+            <a:r>
+              <a:rPr lang="zh-TW" altLang="en-US" b="1" i="0" dirty="0">
+                <a:solidFill>
+                  <a:srgbClr val="2F2E2E"/>
+                </a:solidFill>
+                <a:effectLst/>
+                <a:latin typeface="wfont_7fbdbf_b0d9a3f8bf6446fdb351c82b114a98ea"/>
+              </a:rPr>
+              <a:t>電腦斷層心臟肌肉影像分割競賽 </a:t>
+            </a:r>
+            <a:br>
+              <a:rPr lang="en-US" altLang="zh-TW" b="1" i="0" dirty="0">
+                <a:solidFill>
+                  <a:srgbClr val="2F2E2E"/>
+                </a:solidFill>
+                <a:effectLst/>
+                <a:latin typeface="wfont_7fbdbf_b0d9a3f8bf6446fdb351c82b114a98ea"/>
+              </a:rPr>
+            </a:br>
+            <a:r>
+              <a:rPr lang="en-US" altLang="zh-TW" b="1" i="0" dirty="0">
+                <a:solidFill>
+                  <a:srgbClr val="2F2E2E"/>
+                </a:solidFill>
+                <a:effectLst/>
+                <a:latin typeface="wfont_7fbdbf_b0d9a3f8bf6446fdb351c82b114a98ea"/>
+              </a:rPr>
+              <a:t>(</a:t>
+            </a:r>
             <a:r>
               <a:rPr lang="en-US" altLang="zh-TW" dirty="0"/>
-              <a:t>Provided by e-sun Bank</a:t>
-            </a:r>
-          </a:p>
-          <a:p>
+              <a:t>Computed Tomography Myocardium Image Segmentation</a:t>
+            </a:r>
+            <a:r>
+              <a:rPr lang="en-US" altLang="zh-TW" b="1" i="0" dirty="0">
+                <a:solidFill>
+                  <a:srgbClr val="2F2E2E"/>
+                </a:solidFill>
+                <a:effectLst/>
+                <a:latin typeface="wfont_7fbdbf_b0d9a3f8bf6446fdb351c82b114a98ea"/>
+              </a:rPr>
+              <a:t>)</a:t>
+            </a:r>
+          </a:p>
+          <a:p>
+            <a:pPr lvl="2">
+              <a:defRPr/>
+            </a:pPr>
+            <a:r>
+              <a:rPr lang="zh-TW" altLang="en-US" b="1" dirty="0">
+                <a:solidFill>
+                  <a:srgbClr val="2F2E2E"/>
+                </a:solidFill>
+                <a:latin typeface="wfont_7fbdbf_b0d9a3f8bf6446fdb351c82b114a98ea"/>
+              </a:rPr>
+              <a:t>競賽</a:t>
+            </a:r>
+            <a:r>
+              <a:rPr lang="en-US" altLang="zh-TW" b="1" dirty="0">
+                <a:solidFill>
+                  <a:srgbClr val="2F2E2E"/>
+                </a:solidFill>
+                <a:latin typeface="wfont_7fbdbf_b0d9a3f8bf6446fdb351c82b114a98ea"/>
+              </a:rPr>
+              <a:t>I: </a:t>
+            </a:r>
+            <a:r>
+              <a:rPr lang="zh-TW" altLang="en-US" b="1" dirty="0">
+                <a:solidFill>
+                  <a:srgbClr val="2F2E2E"/>
+                </a:solidFill>
+                <a:latin typeface="wfont_7fbdbf_b0d9a3f8bf6446fdb351c82b114a98ea"/>
+              </a:rPr>
+              <a:t>心臟肌肉影像分割 </a:t>
+            </a:r>
+            <a:r>
+              <a:rPr lang="en-US" altLang="zh-TW" b="1" dirty="0">
+                <a:solidFill>
+                  <a:srgbClr val="2F2E2E"/>
+                </a:solidFill>
+                <a:latin typeface="wfont_7fbdbf_b0d9a3f8bf6446fdb351c82b114a98ea"/>
+              </a:rPr>
+              <a:t>(</a:t>
+            </a:r>
             <a:r>
               <a:rPr lang="en-US" altLang="zh-TW" dirty="0"/>
-              <a:t>Registration starts: Sep. 17, 2025</a:t>
-            </a:r>
-          </a:p>
-          <a:p>
+              <a:t>Myocardium Image Segmentation</a:t>
+            </a:r>
+            <a:r>
+              <a:rPr lang="en-US" altLang="zh-TW" b="1" dirty="0">
+                <a:solidFill>
+                  <a:srgbClr val="2F2E2E"/>
+                </a:solidFill>
+                <a:latin typeface="wfont_7fbdbf_b0d9a3f8bf6446fdb351c82b114a98ea"/>
+              </a:rPr>
+              <a:t>)</a:t>
+            </a:r>
+          </a:p>
+          <a:p>
+            <a:pPr lvl="2">
+              <a:defRPr/>
+            </a:pPr>
+            <a:r>
+              <a:rPr lang="zh-TW" altLang="en-US" b="1" dirty="0">
+                <a:solidFill>
+                  <a:srgbClr val="2F2E2E"/>
+                </a:solidFill>
+                <a:latin typeface="wfont_7fbdbf_b0d9a3f8bf6446fdb351c82b114a98ea"/>
+              </a:rPr>
+              <a:t>競賽</a:t>
+            </a:r>
+            <a:r>
+              <a:rPr lang="en-US" altLang="zh-TW" b="1" dirty="0">
+                <a:solidFill>
+                  <a:srgbClr val="2F2E2E"/>
+                </a:solidFill>
+                <a:latin typeface="wfont_7fbdbf_b0d9a3f8bf6446fdb351c82b114a98ea"/>
+              </a:rPr>
+              <a:t>II: </a:t>
+            </a:r>
+            <a:r>
+              <a:rPr lang="zh-TW" altLang="en-US" b="1" dirty="0">
+                <a:solidFill>
+                  <a:srgbClr val="2F2E2E"/>
+                </a:solidFill>
+                <a:latin typeface="wfont_7fbdbf_b0d9a3f8bf6446fdb351c82b114a98ea"/>
+              </a:rPr>
+              <a:t>主動脈瓣物件偵測 </a:t>
+            </a:r>
+            <a:r>
+              <a:rPr lang="en-US" altLang="zh-TW" b="1" dirty="0">
+                <a:solidFill>
+                  <a:srgbClr val="2F2E2E"/>
+                </a:solidFill>
+                <a:latin typeface="wfont_7fbdbf_b0d9a3f8bf6446fdb351c82b114a98ea"/>
+              </a:rPr>
+              <a:t>(</a:t>
+            </a:r>
             <a:r>
               <a:rPr lang="en-US" altLang="zh-TW" dirty="0"/>
-              <a:t>Registration ends: </a:t>
-            </a:r>
-            <a:r>
-              <a:rPr lang="en-US" altLang="zh-TW" dirty="0">
+              <a:t>Object Detection for Aortic Valves</a:t>
+            </a:r>
+            <a:r>
+              <a:rPr lang="en-US" altLang="zh-TW" b="1" dirty="0">
                 <a:solidFill>
-                  <a:srgbClr val="FF0000"/>
+                  <a:srgbClr val="2F2E2E"/>
                 </a:solidFill>
+                <a:latin typeface="wfont_7fbdbf_b0d9a3f8bf6446fdb351c82b114a98ea"/>
               </a:rPr>
-              <a:t>Nov. 5, 2025</a:t>
-            </a:r>
-          </a:p>
-          <a:p>
-            <a:r>
-              <a:rPr lang="en-US" altLang="zh-TW" dirty="0"/>
-              <a:t>End of competition: </a:t>
-            </a:r>
-            <a:r>
-              <a:rPr lang="en-US" altLang="zh-TW" dirty="0">
-                <a:solidFill>
-                  <a:srgbClr val="FF0000"/>
-                </a:solidFill>
-              </a:rPr>
-              <a:t>Nov. 12, 2025</a:t>
-            </a:r>
-            <a:endParaRPr lang="zh-TW" altLang="en-US" dirty="0">
-              <a:solidFill>
-                <a:srgbClr val="FF0000"/>
-              </a:solidFill>
-            </a:endParaRPr>
+              <a:t>)</a:t>
+            </a:r>
+          </a:p>
+          <a:p>
+            <a:endParaRPr lang="zh-TW" altLang="en-US" dirty="0"/>
           </a:p>
         </p:txBody>
       </p:sp>
     </p:spTree>
     <p:extLst>
       <p:ext uri="{BB962C8B-B14F-4D97-AF65-F5344CB8AC3E}">
-        <p14:creationId xmlns:p14="http://schemas.microsoft.com/office/powerpoint/2010/main" val="1387470326"/>
+        <p14:creationId xmlns:p14="http://schemas.microsoft.com/office/powerpoint/2010/main" val="249055355"/>
       </p:ext>
     </p:extLst>
   </p:cSld>
@@ -3338,13 +3508,140 @@
         <p:spPr/>
         <p:txBody>
           <a:bodyPr>
+            <a:normAutofit/>
+          </a:bodyPr>
+          <a:lstStyle/>
+          <a:p>
+            <a:r>
+              <a:rPr lang="en-US" altLang="zh-TW" dirty="0"/>
+              <a:t>AI Cup 2025: Watch-Listed Account Detection</a:t>
+            </a:r>
+          </a:p>
+        </p:txBody>
+      </p:sp>
+      <p:sp>
+        <p:nvSpPr>
+          <p:cNvPr id="3" name="內容版面配置區 2"/>
+          <p:cNvSpPr>
+            <a:spLocks noGrp="1"/>
+          </p:cNvSpPr>
+          <p:nvPr>
+            <p:ph idx="1"/>
+          </p:nvPr>
+        </p:nvSpPr>
+        <p:spPr/>
+        <p:txBody>
+          <a:bodyPr/>
+          <a:lstStyle/>
+          <a:p>
+            <a:r>
+              <a:rPr lang="en-US" altLang="zh-TW" dirty="0">
+                <a:hlinkClick r:id="rId2"/>
+              </a:rPr>
+              <a:t>https://tbrain.trendmicro.com.tw/Competitions/Details/40</a:t>
+            </a:r>
+            <a:r>
+              <a:rPr lang="en-US" altLang="zh-TW" dirty="0"/>
+              <a:t> </a:t>
+            </a:r>
+          </a:p>
+          <a:p>
+            <a:r>
+              <a:rPr lang="en-US" altLang="zh-TW" dirty="0"/>
+              <a:t>Provided by e-sun Bank</a:t>
+            </a:r>
+          </a:p>
+          <a:p>
+            <a:r>
+              <a:rPr lang="en-US" altLang="zh-TW" dirty="0"/>
+              <a:t>Registration starts: Sep. 17, 2025</a:t>
+            </a:r>
+          </a:p>
+          <a:p>
+            <a:r>
+              <a:rPr lang="en-US" altLang="zh-TW" dirty="0"/>
+              <a:t>Registration ends: </a:t>
+            </a:r>
+            <a:r>
+              <a:rPr lang="en-US" altLang="zh-TW" dirty="0">
+                <a:solidFill>
+                  <a:srgbClr val="FF0000"/>
+                </a:solidFill>
+              </a:rPr>
+              <a:t>Nov. 5, 2025</a:t>
+            </a:r>
+          </a:p>
+          <a:p>
+            <a:r>
+              <a:rPr lang="en-US" altLang="zh-TW" dirty="0"/>
+              <a:t>End of competition: </a:t>
+            </a:r>
+            <a:r>
+              <a:rPr lang="en-US" altLang="zh-TW" dirty="0">
+                <a:solidFill>
+                  <a:srgbClr val="FF0000"/>
+                </a:solidFill>
+              </a:rPr>
+              <a:t>Nov. 12, 2025</a:t>
+            </a:r>
+            <a:endParaRPr lang="zh-TW" altLang="en-US" dirty="0">
+              <a:solidFill>
+                <a:srgbClr val="FF0000"/>
+              </a:solidFill>
+            </a:endParaRPr>
+          </a:p>
+        </p:txBody>
+      </p:sp>
+    </p:spTree>
+    <p:extLst>
+      <p:ext uri="{BB962C8B-B14F-4D97-AF65-F5344CB8AC3E}">
+        <p14:creationId xmlns:p14="http://schemas.microsoft.com/office/powerpoint/2010/main" val="1387470326"/>
+      </p:ext>
+    </p:extLst>
+  </p:cSld>
+  <p:clrMapOvr>
+    <a:masterClrMapping/>
+  </p:clrMapOvr>
+</p:sld>
+</file>
+
+<file path=ppt/slides/slide5.xml><?xml version="1.0" encoding="utf-8"?>
+<p:sld xmlns:a="http://schemas.openxmlformats.org/drawingml/2006/main" xmlns:r="http://schemas.openxmlformats.org/officeDocument/2006/relationships" xmlns:p="http://schemas.openxmlformats.org/presentationml/2006/main">
+  <p:cSld>
+    <p:spTree>
+      <p:nvGrpSpPr>
+        <p:cNvPr id="1" name=""/>
+        <p:cNvGrpSpPr/>
+        <p:nvPr/>
+      </p:nvGrpSpPr>
+      <p:grpSpPr>
+        <a:xfrm>
+          <a:off x="0" y="0"/>
+          <a:ext cx="0" cy="0"/>
+          <a:chOff x="0" y="0"/>
+          <a:chExt cx="0" cy="0"/>
+        </a:xfrm>
+      </p:grpSpPr>
+      <p:sp>
+        <p:nvSpPr>
+          <p:cNvPr id="2" name="標題 1"/>
+          <p:cNvSpPr>
+            <a:spLocks noGrp="1"/>
+          </p:cNvSpPr>
+          <p:nvPr>
+            <p:ph type="title"/>
+          </p:nvPr>
+        </p:nvSpPr>
+        <p:spPr/>
+        <p:txBody>
+          <a:bodyPr>
             <a:normAutofit fontScale="90000"/>
           </a:bodyPr>
           <a:lstStyle/>
           <a:p>
             <a:r>
               <a:rPr lang="en-US" altLang="zh-TW" dirty="0"/>
-              <a:t>AI Cup 2023: Computed Tomography Myocardium Image Segmentation I - Myocardium Image Segmentation</a:t>
+              <a:t>AI Cup 2025: Computed Tomography Myocardium Image Segmentation I - Myocardium Image Segmentation</a:t>
             </a:r>
           </a:p>
         </p:txBody>
@@ -3435,7 +3732,131 @@
 </p:sld>
 </file>
 
-<file path=ppt/slides/slide5.xml><?xml version="1.0" encoding="utf-8"?>
+<file path=ppt/slides/slide6.xml><?xml version="1.0" encoding="utf-8"?>
+<p:sld xmlns:a="http://schemas.openxmlformats.org/drawingml/2006/main" xmlns:r="http://schemas.openxmlformats.org/officeDocument/2006/relationships" xmlns:p="http://schemas.openxmlformats.org/presentationml/2006/main">
+  <p:cSld>
+    <p:spTree>
+      <p:nvGrpSpPr>
+        <p:cNvPr id="1" name=""/>
+        <p:cNvGrpSpPr/>
+        <p:nvPr/>
+      </p:nvGrpSpPr>
+      <p:grpSpPr>
+        <a:xfrm>
+          <a:off x="0" y="0"/>
+          <a:ext cx="0" cy="0"/>
+          <a:chOff x="0" y="0"/>
+          <a:chExt cx="0" cy="0"/>
+        </a:xfrm>
+      </p:grpSpPr>
+      <p:sp>
+        <p:nvSpPr>
+          <p:cNvPr id="2" name="標題 1"/>
+          <p:cNvSpPr>
+            <a:spLocks noGrp="1"/>
+          </p:cNvSpPr>
+          <p:nvPr>
+            <p:ph type="title"/>
+          </p:nvPr>
+        </p:nvSpPr>
+        <p:spPr/>
+        <p:txBody>
+          <a:bodyPr>
+            <a:normAutofit fontScale="90000"/>
+          </a:bodyPr>
+          <a:lstStyle/>
+          <a:p>
+            <a:r>
+              <a:rPr lang="en-US" altLang="zh-TW" dirty="0"/>
+              <a:t>AI Cup 2025: Computed Tomography Myocardium Image Segmentation II – Object Detection for Aortic Valves </a:t>
+            </a:r>
+          </a:p>
+        </p:txBody>
+      </p:sp>
+      <p:sp>
+        <p:nvSpPr>
+          <p:cNvPr id="3" name="內容版面配置區 2"/>
+          <p:cNvSpPr>
+            <a:spLocks noGrp="1"/>
+          </p:cNvSpPr>
+          <p:nvPr>
+            <p:ph idx="1"/>
+          </p:nvPr>
+        </p:nvSpPr>
+        <p:spPr/>
+        <p:txBody>
+          <a:bodyPr/>
+          <a:lstStyle/>
+          <a:p>
+            <a:r>
+              <a:rPr lang="en-US" altLang="zh-TW" dirty="0">
+                <a:hlinkClick r:id="rId2"/>
+              </a:rPr>
+              <a:t>https://tbrain.trendmicro.com.tw/Competitions/Details/42</a:t>
+            </a:r>
+            <a:endParaRPr lang="en-US" altLang="zh-TW" dirty="0"/>
+          </a:p>
+          <a:p>
+            <a:r>
+              <a:rPr lang="en-US" altLang="zh-TW" dirty="0"/>
+              <a:t>Provided by NTUT</a:t>
+            </a:r>
+          </a:p>
+          <a:p>
+            <a:r>
+              <a:rPr lang="en-US" altLang="zh-TW" dirty="0"/>
+              <a:t>Registration starts: Sep. 16, 2025</a:t>
+            </a:r>
+          </a:p>
+          <a:p>
+            <a:r>
+              <a:rPr lang="en-US" altLang="zh-TW" dirty="0"/>
+              <a:t>Registration ends: </a:t>
+            </a:r>
+            <a:r>
+              <a:rPr lang="en-US" altLang="zh-TW" dirty="0">
+                <a:solidFill>
+                  <a:srgbClr val="FF0000"/>
+                </a:solidFill>
+              </a:rPr>
+              <a:t>Nov. 25, 2025</a:t>
+            </a:r>
+          </a:p>
+          <a:p>
+            <a:r>
+              <a:rPr lang="en-US" altLang="zh-TW" dirty="0"/>
+              <a:t>End of competition: </a:t>
+            </a:r>
+            <a:r>
+              <a:rPr lang="en-US" altLang="zh-TW" dirty="0">
+                <a:solidFill>
+                  <a:srgbClr val="FF0000"/>
+                </a:solidFill>
+              </a:rPr>
+              <a:t>Nov. 30, 2025</a:t>
+            </a:r>
+            <a:endParaRPr lang="zh-TW" altLang="en-US" dirty="0">
+              <a:solidFill>
+                <a:srgbClr val="FF0000"/>
+              </a:solidFill>
+            </a:endParaRPr>
+          </a:p>
+        </p:txBody>
+      </p:sp>
+    </p:spTree>
+    <p:extLst>
+      <p:ext uri="{BB962C8B-B14F-4D97-AF65-F5344CB8AC3E}">
+        <p14:creationId xmlns:p14="http://schemas.microsoft.com/office/powerpoint/2010/main" val="1600951166"/>
+      </p:ext>
+    </p:extLst>
+  </p:cSld>
+  <p:clrMapOvr>
+    <a:masterClrMapping/>
+  </p:clrMapOvr>
+</p:sld>
+</file>
+
+<file path=ppt/slides/slide7.xml><?xml version="1.0" encoding="utf-8"?>
 <p:sld xmlns:a="http://schemas.openxmlformats.org/drawingml/2006/main" xmlns:r="http://schemas.openxmlformats.org/officeDocument/2006/relationships" xmlns:p="http://schemas.openxmlformats.org/presentationml/2006/main">
   <p:cSld>
     <p:spTree>
